--- a/M01_Arrays/01 Presentacion/M01_PPTX-Arreglos.pptx
+++ b/M01_Arrays/01 Presentacion/M01_PPTX-Arreglos.pptx
@@ -5,10 +5,10 @@
     <p:sldMasterId id="2147483685" r:id="rId1"/>
   </p:sldMasterIdLst>
   <p:notesMasterIdLst>
-    <p:notesMasterId r:id="rId19"/>
+    <p:notesMasterId r:id="rId21"/>
   </p:notesMasterIdLst>
   <p:handoutMasterIdLst>
-    <p:handoutMasterId r:id="rId20"/>
+    <p:handoutMasterId r:id="rId22"/>
   </p:handoutMasterIdLst>
   <p:sldIdLst>
     <p:sldId id="256" r:id="rId2"/>
@@ -16,18 +16,20 @@
     <p:sldId id="340" r:id="rId4"/>
     <p:sldId id="341" r:id="rId5"/>
     <p:sldId id="343" r:id="rId6"/>
-    <p:sldId id="342" r:id="rId7"/>
-    <p:sldId id="357" r:id="rId8"/>
-    <p:sldId id="344" r:id="rId9"/>
-    <p:sldId id="347" r:id="rId10"/>
-    <p:sldId id="348" r:id="rId11"/>
-    <p:sldId id="349" r:id="rId12"/>
-    <p:sldId id="350" r:id="rId13"/>
-    <p:sldId id="351" r:id="rId14"/>
-    <p:sldId id="352" r:id="rId15"/>
-    <p:sldId id="358" r:id="rId16"/>
-    <p:sldId id="359" r:id="rId17"/>
-    <p:sldId id="360" r:id="rId18"/>
+    <p:sldId id="361" r:id="rId7"/>
+    <p:sldId id="342" r:id="rId8"/>
+    <p:sldId id="357" r:id="rId9"/>
+    <p:sldId id="344" r:id="rId10"/>
+    <p:sldId id="362" r:id="rId11"/>
+    <p:sldId id="347" r:id="rId12"/>
+    <p:sldId id="348" r:id="rId13"/>
+    <p:sldId id="349" r:id="rId14"/>
+    <p:sldId id="350" r:id="rId15"/>
+    <p:sldId id="351" r:id="rId16"/>
+    <p:sldId id="352" r:id="rId17"/>
+    <p:sldId id="358" r:id="rId18"/>
+    <p:sldId id="359" r:id="rId19"/>
+    <p:sldId id="360" r:id="rId20"/>
   </p:sldIdLst>
   <p:sldSz cx="12192000" cy="6858000"/>
   <p:notesSz cx="6858000" cy="9144000"/>
@@ -272,7 +274,7 @@
           <a:p>
             <a:fld id="{CA078794-278F-45FF-96BC-AAFA7573FC36}" type="datetimeFigureOut">
               <a:rPr lang="en-US" smtClean="0"/>
-              <a:t>1/16/22</a:t>
+              <a:t>1/11/24</a:t>
             </a:fld>
             <a:endParaRPr lang="en-US"/>
           </a:p>
@@ -539,7 +541,7 @@
               <a:pPr>
                 <a:defRPr/>
               </a:pPr>
-              <a:t>1/16/22</a:t>
+              <a:t>1/11/24</a:t>
             </a:fld>
             <a:endParaRPr lang="en-US"/>
           </a:p>
@@ -1112,7 +1114,7 @@
             <a:fld id="{A57CC3DF-E2CC-422C-8055-9DB62C78D0BD}" type="slidenum">
               <a:rPr lang="en-US" altLang="en-US" smtClean="0"/>
               <a:pPr/>
-              <a:t>10</a:t>
+              <a:t>11</a:t>
             </a:fld>
             <a:endParaRPr lang="en-US" altLang="en-US"/>
           </a:p>
@@ -1121,7 +1123,7 @@
     </p:spTree>
     <p:extLst>
       <p:ext uri="{BB962C8B-B14F-4D97-AF65-F5344CB8AC3E}">
-        <p14:creationId xmlns:p14="http://schemas.microsoft.com/office/powerpoint/2010/main" val="3018579512"/>
+        <p14:creationId xmlns:p14="http://schemas.microsoft.com/office/powerpoint/2010/main" val="4016555549"/>
       </p:ext>
     </p:extLst>
   </p:cSld>
@@ -1202,7 +1204,97 @@
             <a:fld id="{A57CC3DF-E2CC-422C-8055-9DB62C78D0BD}" type="slidenum">
               <a:rPr lang="en-US" altLang="en-US" smtClean="0"/>
               <a:pPr/>
-              <a:t>11</a:t>
+              <a:t>12</a:t>
+            </a:fld>
+            <a:endParaRPr lang="en-US" altLang="en-US"/>
+          </a:p>
+        </p:txBody>
+      </p:sp>
+    </p:spTree>
+    <p:extLst>
+      <p:ext uri="{BB962C8B-B14F-4D97-AF65-F5344CB8AC3E}">
+        <p14:creationId xmlns:p14="http://schemas.microsoft.com/office/powerpoint/2010/main" val="3018579512"/>
+      </p:ext>
+    </p:extLst>
+  </p:cSld>
+  <p:clrMapOvr>
+    <a:masterClrMapping/>
+  </p:clrMapOvr>
+</p:notes>
+</file>
+
+<file path=ppt/notesSlides/notesSlide12.xml><?xml version="1.0" encoding="utf-8"?>
+<p:notes xmlns:a="http://schemas.openxmlformats.org/drawingml/2006/main" xmlns:r="http://schemas.openxmlformats.org/officeDocument/2006/relationships" xmlns:p="http://schemas.openxmlformats.org/presentationml/2006/main">
+  <p:cSld>
+    <p:spTree>
+      <p:nvGrpSpPr>
+        <p:cNvPr id="1" name=""/>
+        <p:cNvGrpSpPr/>
+        <p:nvPr/>
+      </p:nvGrpSpPr>
+      <p:grpSpPr>
+        <a:xfrm>
+          <a:off x="0" y="0"/>
+          <a:ext cx="0" cy="0"/>
+          <a:chOff x="0" y="0"/>
+          <a:chExt cx="0" cy="0"/>
+        </a:xfrm>
+      </p:grpSpPr>
+      <p:sp>
+        <p:nvSpPr>
+          <p:cNvPr id="2" name="Slide Image Placeholder 1"/>
+          <p:cNvSpPr>
+            <a:spLocks noGrp="1" noRot="1" noChangeAspect="1"/>
+          </p:cNvSpPr>
+          <p:nvPr>
+            <p:ph type="sldImg"/>
+          </p:nvPr>
+        </p:nvSpPr>
+        <p:spPr>
+          <a:xfrm>
+            <a:off x="381000" y="685800"/>
+            <a:ext cx="6096000" cy="3429000"/>
+          </a:xfrm>
+        </p:spPr>
+      </p:sp>
+      <p:sp>
+        <p:nvSpPr>
+          <p:cNvPr id="3" name="Notes Placeholder 2"/>
+          <p:cNvSpPr>
+            <a:spLocks noGrp="1"/>
+          </p:cNvSpPr>
+          <p:nvPr>
+            <p:ph type="body" idx="1"/>
+          </p:nvPr>
+        </p:nvSpPr>
+        <p:spPr/>
+        <p:txBody>
+          <a:bodyPr/>
+          <a:lstStyle/>
+          <a:p>
+            <a:endParaRPr lang="en-US"/>
+          </a:p>
+        </p:txBody>
+      </p:sp>
+      <p:sp>
+        <p:nvSpPr>
+          <p:cNvPr id="4" name="Slide Number Placeholder 3"/>
+          <p:cNvSpPr>
+            <a:spLocks noGrp="1"/>
+          </p:cNvSpPr>
+          <p:nvPr>
+            <p:ph type="sldNum" sz="quarter" idx="5"/>
+          </p:nvPr>
+        </p:nvSpPr>
+        <p:spPr/>
+        <p:txBody>
+          <a:bodyPr/>
+          <a:lstStyle/>
+          <a:p>
+            <a:fld id="{A57CC3DF-E2CC-422C-8055-9DB62C78D0BD}" type="slidenum">
+              <a:rPr lang="en-US" altLang="en-US" smtClean="0"/>
+              <a:pPr/>
+              <a:t>13</a:t>
             </a:fld>
             <a:endParaRPr lang="en-US" altLang="en-US"/>
           </a:p>
@@ -1652,7 +1744,7 @@
             <a:fld id="{A57CC3DF-E2CC-422C-8055-9DB62C78D0BD}" type="slidenum">
               <a:rPr lang="en-US" altLang="en-US" smtClean="0"/>
               <a:pPr/>
-              <a:t>6</a:t>
+              <a:t>7</a:t>
             </a:fld>
             <a:endParaRPr lang="en-US" altLang="en-US"/>
           </a:p>
@@ -1742,7 +1834,7 @@
             <a:fld id="{A57CC3DF-E2CC-422C-8055-9DB62C78D0BD}" type="slidenum">
               <a:rPr lang="en-US" altLang="en-US" smtClean="0"/>
               <a:pPr/>
-              <a:t>7</a:t>
+              <a:t>8</a:t>
             </a:fld>
             <a:endParaRPr lang="en-US" altLang="en-US"/>
           </a:p>
@@ -1832,7 +1924,7 @@
             <a:fld id="{A57CC3DF-E2CC-422C-8055-9DB62C78D0BD}" type="slidenum">
               <a:rPr lang="en-US" altLang="en-US" smtClean="0"/>
               <a:pPr/>
-              <a:t>8</a:t>
+              <a:t>9</a:t>
             </a:fld>
             <a:endParaRPr lang="en-US" altLang="en-US"/>
           </a:p>
@@ -1922,7 +2014,7 @@
             <a:fld id="{A57CC3DF-E2CC-422C-8055-9DB62C78D0BD}" type="slidenum">
               <a:rPr lang="en-US" altLang="en-US" smtClean="0"/>
               <a:pPr/>
-              <a:t>9</a:t>
+              <a:t>10</a:t>
             </a:fld>
             <a:endParaRPr lang="en-US" altLang="en-US"/>
           </a:p>
@@ -1931,7 +2023,7 @@
     </p:spTree>
     <p:extLst>
       <p:ext uri="{BB962C8B-B14F-4D97-AF65-F5344CB8AC3E}">
-        <p14:creationId xmlns:p14="http://schemas.microsoft.com/office/powerpoint/2010/main" val="4016555549"/>
+        <p14:creationId xmlns:p14="http://schemas.microsoft.com/office/powerpoint/2010/main" val="4226374476"/>
       </p:ext>
     </p:extLst>
   </p:cSld>
@@ -2093,28 +2185,16 @@
               <a:defRPr/>
             </a:pPr>
             <a:r>
-              <a:rPr lang="es-MX" sz="900" i="0" dirty="0">
+              <a:rPr lang="es-ES" sz="900" i="0" dirty="0">
                 <a:cs typeface="Arial" charset="0"/>
               </a:rPr>
-              <a:t>M</a:t>
-            </a:r>
-            <a:r>
-              <a:rPr lang="en-US" sz="900" i="0" dirty="0" err="1">
+              <a:t>Module 1 - </a:t>
+            </a:r>
+            <a:r>
+              <a:rPr lang="es-ES" sz="900" i="0" dirty="0" err="1">
                 <a:cs typeface="Arial" charset="0"/>
               </a:rPr>
-              <a:t>ódulo</a:t>
-            </a:r>
-            <a:r>
-              <a:rPr lang="en-US" sz="900" i="0" dirty="0">
-                <a:cs typeface="Arial" charset="0"/>
-              </a:rPr>
-              <a:t> 1 - </a:t>
-            </a:r>
-            <a:r>
-              <a:rPr lang="en-US" sz="900" i="0" dirty="0" err="1">
-                <a:cs typeface="Arial" charset="0"/>
-              </a:rPr>
-              <a:t>Arreglos</a:t>
+              <a:t>Arrays</a:t>
             </a:r>
             <a:endParaRPr lang="en-US" sz="900" i="0" dirty="0">
               <a:cs typeface="Arial" charset="0"/>
@@ -3616,7 +3696,7 @@
               <a:rPr lang="es-MX" sz="900" i="0" dirty="0">
                 <a:cs typeface="Arial" charset="0"/>
               </a:rPr>
-              <a:t>Módulo 1  - Arreglos</a:t>
+              <a:t>Module 1 - Arrays</a:t>
             </a:r>
             <a:endParaRPr lang="en-US" sz="900" i="0" dirty="0">
               <a:cs typeface="Arial" charset="0"/>
@@ -4047,14 +4127,14 @@
             <a:pPr eaLnBrk="1" hangingPunct="1"/>
             <a:r>
               <a:rPr lang="es-MX" altLang="en-US" sz="5400" dirty="0"/>
-              <a:t>Módulo 1</a:t>
+              <a:t>Module 1</a:t>
             </a:r>
             <a:br>
               <a:rPr lang="es-MX" altLang="en-US" sz="5400" dirty="0"/>
             </a:br>
             <a:r>
               <a:rPr lang="es-MX" altLang="en-US" sz="5400" dirty="0"/>
-              <a:t>Arreglos</a:t>
+              <a:t>Arrays</a:t>
             </a:r>
             <a:endParaRPr lang="en-US" altLang="en-US" sz="5400" dirty="0"/>
           </a:p>
@@ -4069,6 +4149,1121 @@
 </file>
 
 <file path=ppt/slides/slide10.xml><?xml version="1.0" encoding="utf-8"?>
+<p:sld xmlns:a="http://schemas.openxmlformats.org/drawingml/2006/main" xmlns:r="http://schemas.openxmlformats.org/officeDocument/2006/relationships" xmlns:p="http://schemas.openxmlformats.org/presentationml/2006/main">
+  <p:cSld>
+    <p:spTree>
+      <p:nvGrpSpPr>
+        <p:cNvPr id="1" name=""/>
+        <p:cNvGrpSpPr/>
+        <p:nvPr/>
+      </p:nvGrpSpPr>
+      <p:grpSpPr>
+        <a:xfrm>
+          <a:off x="0" y="0"/>
+          <a:ext cx="0" cy="0"/>
+          <a:chOff x="0" y="0"/>
+          <a:chExt cx="0" cy="0"/>
+        </a:xfrm>
+      </p:grpSpPr>
+      <p:sp>
+        <p:nvSpPr>
+          <p:cNvPr id="2" name="Title 1">
+            <a:extLst>
+              <a:ext uri="{FF2B5EF4-FFF2-40B4-BE49-F238E27FC236}">
+                <a16:creationId xmlns:a16="http://schemas.microsoft.com/office/drawing/2014/main" id="{DEE052EE-8109-4C95-AB0E-03F2D4E4B36A}"/>
+              </a:ext>
+            </a:extLst>
+          </p:cNvPr>
+          <p:cNvSpPr>
+            <a:spLocks noGrp="1"/>
+          </p:cNvSpPr>
+          <p:nvPr>
+            <p:ph type="title"/>
+          </p:nvPr>
+        </p:nvSpPr>
+        <p:spPr/>
+        <p:txBody>
+          <a:bodyPr/>
+          <a:lstStyle/>
+          <a:p>
+            <a:r>
+              <a:rPr lang="es-MX" dirty="0"/>
+              <a:t>Array size</a:t>
+            </a:r>
+            <a:endParaRPr lang="en-US" dirty="0"/>
+          </a:p>
+        </p:txBody>
+      </p:sp>
+      <p:sp>
+        <p:nvSpPr>
+          <p:cNvPr id="3" name="Content Placeholder 2">
+            <a:extLst>
+              <a:ext uri="{FF2B5EF4-FFF2-40B4-BE49-F238E27FC236}">
+                <a16:creationId xmlns:a16="http://schemas.microsoft.com/office/drawing/2014/main" id="{DDEDE6FB-3194-4D17-8D4B-9906EFD4A5D2}"/>
+              </a:ext>
+            </a:extLst>
+          </p:cNvPr>
+          <p:cNvSpPr>
+            <a:spLocks noGrp="1"/>
+          </p:cNvSpPr>
+          <p:nvPr>
+            <p:ph idx="1"/>
+          </p:nvPr>
+        </p:nvSpPr>
+        <p:spPr>
+          <a:xfrm>
+            <a:off x="609600" y="1600201"/>
+            <a:ext cx="10972800" cy="1422205"/>
+          </a:xfrm>
+        </p:spPr>
+        <p:txBody>
+          <a:bodyPr/>
+          <a:lstStyle/>
+          <a:p>
+            <a:r>
+              <a:rPr lang="es-MX" sz="2400" dirty="0"/>
+              <a:t>What would be the size of the following arrays?</a:t>
+            </a:r>
+          </a:p>
+        </p:txBody>
+      </p:sp>
+      <p:sp>
+        <p:nvSpPr>
+          <p:cNvPr id="4" name="Rectangle 3">
+            <a:extLst>
+              <a:ext uri="{FF2B5EF4-FFF2-40B4-BE49-F238E27FC236}">
+                <a16:creationId xmlns:a16="http://schemas.microsoft.com/office/drawing/2014/main" id="{948251D1-69AA-4C8B-8BA5-3AC0078FA676}"/>
+              </a:ext>
+            </a:extLst>
+          </p:cNvPr>
+          <p:cNvSpPr/>
+          <p:nvPr/>
+        </p:nvSpPr>
+        <p:spPr>
+          <a:xfrm>
+            <a:off x="707425" y="2200208"/>
+            <a:ext cx="6920823" cy="1015663"/>
+          </a:xfrm>
+          <a:prstGeom prst="rect">
+            <a:avLst/>
+          </a:prstGeom>
+          <a:solidFill>
+            <a:schemeClr val="tx1"/>
+          </a:solidFill>
+        </p:spPr>
+        <p:txBody>
+          <a:bodyPr wrap="square">
+            <a:spAutoFit/>
+          </a:bodyPr>
+          <a:lstStyle/>
+          <a:p>
+            <a:r>
+              <a:rPr lang="en-US" sz="2000" dirty="0">
+                <a:solidFill>
+                  <a:srgbClr val="4EC9B0"/>
+                </a:solidFill>
+                <a:latin typeface="Cascadia Code,  Courier New"/>
+              </a:rPr>
+              <a:t>double</a:t>
+            </a:r>
+            <a:r>
+              <a:rPr lang="en-US" sz="2000" dirty="0">
+                <a:solidFill>
+                  <a:srgbClr val="D4D4D4"/>
+                </a:solidFill>
+                <a:latin typeface="Cascadia Code,  Courier New"/>
+              </a:rPr>
+              <a:t>[] </a:t>
+            </a:r>
+            <a:r>
+              <a:rPr lang="en-US" sz="2000" dirty="0">
+                <a:solidFill>
+                  <a:srgbClr val="9CDCFE"/>
+                </a:solidFill>
+                <a:latin typeface="Cascadia Code,  Courier New"/>
+              </a:rPr>
+              <a:t>array1</a:t>
+            </a:r>
+            <a:r>
+              <a:rPr lang="en-US" sz="2000" dirty="0">
+                <a:solidFill>
+                  <a:srgbClr val="D4D4D4"/>
+                </a:solidFill>
+                <a:latin typeface="Cascadia Code,  Courier New"/>
+              </a:rPr>
+              <a:t> = </a:t>
+            </a:r>
+            <a:r>
+              <a:rPr lang="en-US" sz="2000" dirty="0">
+                <a:solidFill>
+                  <a:srgbClr val="C586C0"/>
+                </a:solidFill>
+                <a:latin typeface="Cascadia Code,  Courier New"/>
+              </a:rPr>
+              <a:t>new</a:t>
+            </a:r>
+            <a:r>
+              <a:rPr lang="en-US" sz="2000" dirty="0">
+                <a:solidFill>
+                  <a:srgbClr val="D4D4D4"/>
+                </a:solidFill>
+                <a:latin typeface="Cascadia Code,  Courier New"/>
+              </a:rPr>
+              <a:t> </a:t>
+            </a:r>
+            <a:r>
+              <a:rPr lang="en-US" sz="2000" dirty="0">
+                <a:solidFill>
+                  <a:srgbClr val="4EC9B0"/>
+                </a:solidFill>
+                <a:latin typeface="Cascadia Code,  Courier New"/>
+              </a:rPr>
+              <a:t>double</a:t>
+            </a:r>
+            <a:r>
+              <a:rPr lang="en-US" sz="2000" dirty="0">
+                <a:solidFill>
+                  <a:srgbClr val="D4D4D4"/>
+                </a:solidFill>
+                <a:latin typeface="Cascadia Code,  Courier New"/>
+              </a:rPr>
+              <a:t>[</a:t>
+            </a:r>
+            <a:r>
+              <a:rPr lang="en-US" sz="2000" dirty="0">
+                <a:solidFill>
+                  <a:srgbClr val="B5CEA8"/>
+                </a:solidFill>
+                <a:latin typeface="Cascadia Code,  Courier New"/>
+              </a:rPr>
+              <a:t>10</a:t>
+            </a:r>
+            <a:r>
+              <a:rPr lang="en-US" sz="2000" dirty="0">
+                <a:solidFill>
+                  <a:srgbClr val="D4D4D4"/>
+                </a:solidFill>
+                <a:latin typeface="Cascadia Code,  Courier New"/>
+              </a:rPr>
+              <a:t>];</a:t>
+            </a:r>
+            <a:endParaRPr lang="en-US" sz="2000" dirty="0">
+              <a:solidFill>
+                <a:srgbClr val="4EC9B0"/>
+              </a:solidFill>
+              <a:latin typeface="Cascadia Code,  Courier New"/>
+            </a:endParaRPr>
+          </a:p>
+          <a:p>
+            <a:r>
+              <a:rPr lang="en-US" sz="2000" dirty="0">
+                <a:solidFill>
+                  <a:srgbClr val="4EC9B0"/>
+                </a:solidFill>
+                <a:latin typeface="Cascadia Code,  Courier New"/>
+              </a:rPr>
+              <a:t>double</a:t>
+            </a:r>
+            <a:r>
+              <a:rPr lang="en-US" sz="2000" dirty="0">
+                <a:solidFill>
+                  <a:srgbClr val="D4D4D4"/>
+                </a:solidFill>
+                <a:latin typeface="Cascadia Code,  Courier New"/>
+              </a:rPr>
+              <a:t>[] </a:t>
+            </a:r>
+            <a:r>
+              <a:rPr lang="en-US" sz="2000" dirty="0">
+                <a:solidFill>
+                  <a:srgbClr val="9CDCFE"/>
+                </a:solidFill>
+                <a:latin typeface="Cascadia Code,  Courier New"/>
+              </a:rPr>
+              <a:t>array2</a:t>
+            </a:r>
+            <a:r>
+              <a:rPr lang="en-US" sz="2000" dirty="0">
+                <a:solidFill>
+                  <a:srgbClr val="D4D4D4"/>
+                </a:solidFill>
+                <a:latin typeface="Cascadia Code,  Courier New"/>
+              </a:rPr>
+              <a:t> = </a:t>
+            </a:r>
+            <a:r>
+              <a:rPr lang="en-US" sz="2000" dirty="0">
+                <a:solidFill>
+                  <a:srgbClr val="C586C0"/>
+                </a:solidFill>
+                <a:latin typeface="Cascadia Code,  Courier New"/>
+              </a:rPr>
+              <a:t>new</a:t>
+            </a:r>
+            <a:r>
+              <a:rPr lang="en-US" sz="2000" dirty="0">
+                <a:solidFill>
+                  <a:srgbClr val="D4D4D4"/>
+                </a:solidFill>
+                <a:latin typeface="Cascadia Code,  Courier New"/>
+              </a:rPr>
+              <a:t> </a:t>
+            </a:r>
+            <a:r>
+              <a:rPr lang="en-US" sz="2000" dirty="0">
+                <a:solidFill>
+                  <a:srgbClr val="4EC9B0"/>
+                </a:solidFill>
+                <a:latin typeface="Cascadia Code,  Courier New"/>
+              </a:rPr>
+              <a:t>double</a:t>
+            </a:r>
+            <a:r>
+              <a:rPr lang="en-US" sz="2000" dirty="0">
+                <a:solidFill>
+                  <a:srgbClr val="D4D4D4"/>
+                </a:solidFill>
+                <a:latin typeface="Cascadia Code,  Courier New"/>
+              </a:rPr>
+              <a:t>[</a:t>
+            </a:r>
+            <a:r>
+              <a:rPr lang="en-US" sz="2000" dirty="0">
+                <a:solidFill>
+                  <a:srgbClr val="B5CEA8"/>
+                </a:solidFill>
+                <a:latin typeface="Cascadia Code,  Courier New"/>
+              </a:rPr>
+              <a:t>0</a:t>
+            </a:r>
+            <a:r>
+              <a:rPr lang="en-US" sz="2000" dirty="0">
+                <a:solidFill>
+                  <a:srgbClr val="D4D4D4"/>
+                </a:solidFill>
+                <a:latin typeface="Cascadia Code,  Courier New"/>
+              </a:rPr>
+              <a:t>];</a:t>
+            </a:r>
+          </a:p>
+          <a:p>
+            <a:r>
+              <a:rPr lang="en-US" sz="2000" dirty="0">
+                <a:solidFill>
+                  <a:srgbClr val="4EC9B0"/>
+                </a:solidFill>
+                <a:latin typeface="Cascadia Code,  Courier New"/>
+              </a:rPr>
+              <a:t>double</a:t>
+            </a:r>
+            <a:r>
+              <a:rPr lang="en-US" sz="2000" dirty="0">
+                <a:solidFill>
+                  <a:srgbClr val="D4D4D4"/>
+                </a:solidFill>
+                <a:latin typeface="Cascadia Code,  Courier New"/>
+              </a:rPr>
+              <a:t>[] </a:t>
+            </a:r>
+            <a:r>
+              <a:rPr lang="en-US" sz="2000" dirty="0">
+                <a:solidFill>
+                  <a:srgbClr val="9CDCFE"/>
+                </a:solidFill>
+                <a:latin typeface="Cascadia Code,  Courier New"/>
+              </a:rPr>
+              <a:t>array3</a:t>
+            </a:r>
+            <a:r>
+              <a:rPr lang="en-US" sz="2000" dirty="0">
+                <a:solidFill>
+                  <a:srgbClr val="D4D4D4"/>
+                </a:solidFill>
+                <a:latin typeface="Cascadia Code,  Courier New"/>
+              </a:rPr>
+              <a:t>;</a:t>
+            </a:r>
+          </a:p>
+        </p:txBody>
+      </p:sp>
+      <p:pic>
+        <p:nvPicPr>
+          <p:cNvPr id="1026" name="Picture 2" descr="Difference between 0 and null : r/ProgrammerHumor">
+            <a:extLst>
+              <a:ext uri="{FF2B5EF4-FFF2-40B4-BE49-F238E27FC236}">
+                <a16:creationId xmlns:a16="http://schemas.microsoft.com/office/drawing/2014/main" id="{C1B9A87B-346B-71EA-86B4-12B36CAE1AF2}"/>
+              </a:ext>
+            </a:extLst>
+          </p:cNvPr>
+          <p:cNvPicPr>
+            <a:picLocks noChangeAspect="1" noChangeArrowheads="1"/>
+          </p:cNvPicPr>
+          <p:nvPr/>
+        </p:nvPicPr>
+        <p:blipFill rotWithShape="1">
+          <a:blip r:embed="rId3">
+            <a:extLst>
+              <a:ext uri="{28A0092B-C50C-407E-A947-70E740481C1C}">
+                <a14:useLocalDpi xmlns:a14="http://schemas.microsoft.com/office/drawing/2010/main" val="0"/>
+              </a:ext>
+            </a:extLst>
+          </a:blip>
+          <a:srcRect t="1" b="359"/>
+          <a:stretch/>
+        </p:blipFill>
+        <p:spPr bwMode="auto">
+          <a:xfrm>
+            <a:off x="6976420" y="2262590"/>
+            <a:ext cx="4703805" cy="4349609"/>
+          </a:xfrm>
+          <a:prstGeom prst="rect">
+            <a:avLst/>
+          </a:prstGeom>
+          <a:noFill/>
+          <a:extLst>
+            <a:ext uri="{909E8E84-426E-40DD-AFC4-6F175D3DCCD1}">
+              <a14:hiddenFill xmlns:a14="http://schemas.microsoft.com/office/drawing/2010/main">
+                <a:solidFill>
+                  <a:srgbClr val="FFFFFF"/>
+                </a:solidFill>
+              </a14:hiddenFill>
+            </a:ext>
+          </a:extLst>
+        </p:spPr>
+      </p:pic>
+      <p:sp>
+        <p:nvSpPr>
+          <p:cNvPr id="6" name="Rectangle 5">
+            <a:extLst>
+              <a:ext uri="{FF2B5EF4-FFF2-40B4-BE49-F238E27FC236}">
+                <a16:creationId xmlns:a16="http://schemas.microsoft.com/office/drawing/2014/main" id="{DBA5FA37-87AC-9764-82FC-A0F9E3ADF4B2}"/>
+              </a:ext>
+            </a:extLst>
+          </p:cNvPr>
+          <p:cNvSpPr/>
+          <p:nvPr/>
+        </p:nvSpPr>
+        <p:spPr>
+          <a:xfrm>
+            <a:off x="609600" y="4406203"/>
+            <a:ext cx="4842933" cy="1323439"/>
+          </a:xfrm>
+          <a:prstGeom prst="rect">
+            <a:avLst/>
+          </a:prstGeom>
+          <a:solidFill>
+            <a:schemeClr val="tx1"/>
+          </a:solidFill>
+        </p:spPr>
+        <p:txBody>
+          <a:bodyPr wrap="square">
+            <a:spAutoFit/>
+          </a:bodyPr>
+          <a:lstStyle/>
+          <a:p>
+            <a:r>
+              <a:rPr lang="en-US" sz="2000" dirty="0">
+                <a:solidFill>
+                  <a:srgbClr val="4EC9B0"/>
+                </a:solidFill>
+                <a:latin typeface="Cascadia Code,  Courier New"/>
+              </a:rPr>
+              <a:t>Answer:</a:t>
+            </a:r>
+          </a:p>
+          <a:p>
+            <a:r>
+              <a:rPr lang="en-US" sz="2000" dirty="0">
+                <a:solidFill>
+                  <a:schemeClr val="bg1"/>
+                </a:solidFill>
+                <a:latin typeface="Cascadia Code,  Courier New"/>
+              </a:rPr>
+              <a:t>array1 has a size of 10</a:t>
+            </a:r>
+          </a:p>
+          <a:p>
+            <a:r>
+              <a:rPr lang="en-US" sz="2000" dirty="0">
+                <a:solidFill>
+                  <a:schemeClr val="bg1"/>
+                </a:solidFill>
+                <a:latin typeface="Cascadia Code,  Courier New"/>
+              </a:rPr>
+              <a:t>array2 has a size of 0</a:t>
+            </a:r>
+          </a:p>
+          <a:p>
+            <a:r>
+              <a:rPr lang="en-US" sz="2000" dirty="0">
+                <a:solidFill>
+                  <a:schemeClr val="bg1"/>
+                </a:solidFill>
+                <a:latin typeface="Cascadia Code,  Courier New"/>
+              </a:rPr>
+              <a:t>array3 is null, it has no size</a:t>
+            </a:r>
+          </a:p>
+        </p:txBody>
+      </p:sp>
+    </p:spTree>
+    <p:extLst>
+      <p:ext uri="{BB962C8B-B14F-4D97-AF65-F5344CB8AC3E}">
+        <p14:creationId xmlns:p14="http://schemas.microsoft.com/office/powerpoint/2010/main" val="2358544890"/>
+      </p:ext>
+    </p:extLst>
+  </p:cSld>
+  <p:clrMapOvr>
+    <a:masterClrMapping/>
+  </p:clrMapOvr>
+  <p:timing>
+    <p:tnLst>
+      <p:par>
+        <p:cTn id="1" dur="indefinite" restart="never" nodeType="tmRoot">
+          <p:childTnLst>
+            <p:seq concurrent="1" nextAc="seek">
+              <p:cTn id="2" dur="indefinite" nodeType="mainSeq">
+                <p:childTnLst>
+                  <p:par>
+                    <p:cTn id="3" fill="hold">
+                      <p:stCondLst>
+                        <p:cond delay="indefinite"/>
+                      </p:stCondLst>
+                      <p:childTnLst>
+                        <p:par>
+                          <p:cTn id="4" fill="hold">
+                            <p:stCondLst>
+                              <p:cond delay="0"/>
+                            </p:stCondLst>
+                            <p:childTnLst>
+                              <p:par>
+                                <p:cTn id="5" presetID="1" presetClass="entr" presetSubtype="0" fill="hold" nodeType="clickEffect">
+                                  <p:stCondLst>
+                                    <p:cond delay="0"/>
+                                  </p:stCondLst>
+                                  <p:childTnLst>
+                                    <p:set>
+                                      <p:cBhvr>
+                                        <p:cTn id="6" dur="1" fill="hold">
+                                          <p:stCondLst>
+                                            <p:cond delay="0"/>
+                                          </p:stCondLst>
+                                        </p:cTn>
+                                        <p:tgtEl>
+                                          <p:spTgt spid="4">
+                                            <p:txEl>
+                                              <p:pRg st="0" end="0"/>
+                                            </p:txEl>
+                                          </p:spTgt>
+                                        </p:tgtEl>
+                                        <p:attrNameLst>
+                                          <p:attrName>style.visibility</p:attrName>
+                                        </p:attrNameLst>
+                                      </p:cBhvr>
+                                      <p:to>
+                                        <p:strVal val="visible"/>
+                                      </p:to>
+                                    </p:set>
+                                  </p:childTnLst>
+                                </p:cTn>
+                              </p:par>
+                            </p:childTnLst>
+                          </p:cTn>
+                        </p:par>
+                      </p:childTnLst>
+                    </p:cTn>
+                  </p:par>
+                  <p:par>
+                    <p:cTn id="7" fill="hold">
+                      <p:stCondLst>
+                        <p:cond delay="indefinite"/>
+                      </p:stCondLst>
+                      <p:childTnLst>
+                        <p:par>
+                          <p:cTn id="8" fill="hold">
+                            <p:stCondLst>
+                              <p:cond delay="0"/>
+                            </p:stCondLst>
+                            <p:childTnLst>
+                              <p:par>
+                                <p:cTn id="9" presetID="1" presetClass="entr" presetSubtype="0" fill="hold" nodeType="clickEffect">
+                                  <p:stCondLst>
+                                    <p:cond delay="0"/>
+                                  </p:stCondLst>
+                                  <p:childTnLst>
+                                    <p:set>
+                                      <p:cBhvr>
+                                        <p:cTn id="10" dur="1" fill="hold">
+                                          <p:stCondLst>
+                                            <p:cond delay="0"/>
+                                          </p:stCondLst>
+                                        </p:cTn>
+                                        <p:tgtEl>
+                                          <p:spTgt spid="4">
+                                            <p:txEl>
+                                              <p:pRg st="1" end="1"/>
+                                            </p:txEl>
+                                          </p:spTgt>
+                                        </p:tgtEl>
+                                        <p:attrNameLst>
+                                          <p:attrName>style.visibility</p:attrName>
+                                        </p:attrNameLst>
+                                      </p:cBhvr>
+                                      <p:to>
+                                        <p:strVal val="visible"/>
+                                      </p:to>
+                                    </p:set>
+                                  </p:childTnLst>
+                                </p:cTn>
+                              </p:par>
+                            </p:childTnLst>
+                          </p:cTn>
+                        </p:par>
+                      </p:childTnLst>
+                    </p:cTn>
+                  </p:par>
+                  <p:par>
+                    <p:cTn id="11" fill="hold">
+                      <p:stCondLst>
+                        <p:cond delay="indefinite"/>
+                      </p:stCondLst>
+                      <p:childTnLst>
+                        <p:par>
+                          <p:cTn id="12" fill="hold">
+                            <p:stCondLst>
+                              <p:cond delay="0"/>
+                            </p:stCondLst>
+                            <p:childTnLst>
+                              <p:par>
+                                <p:cTn id="13" presetID="1" presetClass="entr" presetSubtype="0" fill="hold" nodeType="clickEffect">
+                                  <p:stCondLst>
+                                    <p:cond delay="0"/>
+                                  </p:stCondLst>
+                                  <p:childTnLst>
+                                    <p:set>
+                                      <p:cBhvr>
+                                        <p:cTn id="14" dur="1" fill="hold">
+                                          <p:stCondLst>
+                                            <p:cond delay="0"/>
+                                          </p:stCondLst>
+                                        </p:cTn>
+                                        <p:tgtEl>
+                                          <p:spTgt spid="4">
+                                            <p:txEl>
+                                              <p:pRg st="2" end="2"/>
+                                            </p:txEl>
+                                          </p:spTgt>
+                                        </p:tgtEl>
+                                        <p:attrNameLst>
+                                          <p:attrName>style.visibility</p:attrName>
+                                        </p:attrNameLst>
+                                      </p:cBhvr>
+                                      <p:to>
+                                        <p:strVal val="visible"/>
+                                      </p:to>
+                                    </p:set>
+                                  </p:childTnLst>
+                                </p:cTn>
+                              </p:par>
+                            </p:childTnLst>
+                          </p:cTn>
+                        </p:par>
+                      </p:childTnLst>
+                    </p:cTn>
+                  </p:par>
+                  <p:par>
+                    <p:cTn id="15" fill="hold">
+                      <p:stCondLst>
+                        <p:cond delay="indefinite"/>
+                      </p:stCondLst>
+                      <p:childTnLst>
+                        <p:par>
+                          <p:cTn id="16" fill="hold">
+                            <p:stCondLst>
+                              <p:cond delay="0"/>
+                            </p:stCondLst>
+                            <p:childTnLst>
+                              <p:par>
+                                <p:cTn id="17" presetID="1" presetClass="entr" presetSubtype="0" fill="hold" nodeType="clickEffect">
+                                  <p:stCondLst>
+                                    <p:cond delay="0"/>
+                                  </p:stCondLst>
+                                  <p:childTnLst>
+                                    <p:set>
+                                      <p:cBhvr>
+                                        <p:cTn id="18" dur="1" fill="hold">
+                                          <p:stCondLst>
+                                            <p:cond delay="0"/>
+                                          </p:stCondLst>
+                                        </p:cTn>
+                                        <p:tgtEl>
+                                          <p:spTgt spid="6">
+                                            <p:txEl>
+                                              <p:pRg st="0" end="0"/>
+                                            </p:txEl>
+                                          </p:spTgt>
+                                        </p:tgtEl>
+                                        <p:attrNameLst>
+                                          <p:attrName>style.visibility</p:attrName>
+                                        </p:attrNameLst>
+                                      </p:cBhvr>
+                                      <p:to>
+                                        <p:strVal val="visible"/>
+                                      </p:to>
+                                    </p:set>
+                                  </p:childTnLst>
+                                </p:cTn>
+                              </p:par>
+                            </p:childTnLst>
+                          </p:cTn>
+                        </p:par>
+                      </p:childTnLst>
+                    </p:cTn>
+                  </p:par>
+                  <p:par>
+                    <p:cTn id="19" fill="hold">
+                      <p:stCondLst>
+                        <p:cond delay="indefinite"/>
+                      </p:stCondLst>
+                      <p:childTnLst>
+                        <p:par>
+                          <p:cTn id="20" fill="hold">
+                            <p:stCondLst>
+                              <p:cond delay="0"/>
+                            </p:stCondLst>
+                            <p:childTnLst>
+                              <p:par>
+                                <p:cTn id="21" presetID="1" presetClass="entr" presetSubtype="0" fill="hold" nodeType="clickEffect">
+                                  <p:stCondLst>
+                                    <p:cond delay="0"/>
+                                  </p:stCondLst>
+                                  <p:childTnLst>
+                                    <p:set>
+                                      <p:cBhvr>
+                                        <p:cTn id="22" dur="1" fill="hold">
+                                          <p:stCondLst>
+                                            <p:cond delay="0"/>
+                                          </p:stCondLst>
+                                        </p:cTn>
+                                        <p:tgtEl>
+                                          <p:spTgt spid="6">
+                                            <p:txEl>
+                                              <p:pRg st="1" end="1"/>
+                                            </p:txEl>
+                                          </p:spTgt>
+                                        </p:tgtEl>
+                                        <p:attrNameLst>
+                                          <p:attrName>style.visibility</p:attrName>
+                                        </p:attrNameLst>
+                                      </p:cBhvr>
+                                      <p:to>
+                                        <p:strVal val="visible"/>
+                                      </p:to>
+                                    </p:set>
+                                  </p:childTnLst>
+                                </p:cTn>
+                              </p:par>
+                            </p:childTnLst>
+                          </p:cTn>
+                        </p:par>
+                      </p:childTnLst>
+                    </p:cTn>
+                  </p:par>
+                  <p:par>
+                    <p:cTn id="23" fill="hold">
+                      <p:stCondLst>
+                        <p:cond delay="indefinite"/>
+                      </p:stCondLst>
+                      <p:childTnLst>
+                        <p:par>
+                          <p:cTn id="24" fill="hold">
+                            <p:stCondLst>
+                              <p:cond delay="0"/>
+                            </p:stCondLst>
+                            <p:childTnLst>
+                              <p:par>
+                                <p:cTn id="25" presetID="1" presetClass="entr" presetSubtype="0" fill="hold" nodeType="clickEffect">
+                                  <p:stCondLst>
+                                    <p:cond delay="0"/>
+                                  </p:stCondLst>
+                                  <p:childTnLst>
+                                    <p:set>
+                                      <p:cBhvr>
+                                        <p:cTn id="26" dur="1" fill="hold">
+                                          <p:stCondLst>
+                                            <p:cond delay="0"/>
+                                          </p:stCondLst>
+                                        </p:cTn>
+                                        <p:tgtEl>
+                                          <p:spTgt spid="6">
+                                            <p:txEl>
+                                              <p:pRg st="2" end="2"/>
+                                            </p:txEl>
+                                          </p:spTgt>
+                                        </p:tgtEl>
+                                        <p:attrNameLst>
+                                          <p:attrName>style.visibility</p:attrName>
+                                        </p:attrNameLst>
+                                      </p:cBhvr>
+                                      <p:to>
+                                        <p:strVal val="visible"/>
+                                      </p:to>
+                                    </p:set>
+                                  </p:childTnLst>
+                                </p:cTn>
+                              </p:par>
+                            </p:childTnLst>
+                          </p:cTn>
+                        </p:par>
+                      </p:childTnLst>
+                    </p:cTn>
+                  </p:par>
+                  <p:par>
+                    <p:cTn id="27" fill="hold">
+                      <p:stCondLst>
+                        <p:cond delay="indefinite"/>
+                      </p:stCondLst>
+                      <p:childTnLst>
+                        <p:par>
+                          <p:cTn id="28" fill="hold">
+                            <p:stCondLst>
+                              <p:cond delay="0"/>
+                            </p:stCondLst>
+                            <p:childTnLst>
+                              <p:par>
+                                <p:cTn id="29" presetID="1" presetClass="entr" presetSubtype="0" fill="hold" nodeType="clickEffect">
+                                  <p:stCondLst>
+                                    <p:cond delay="0"/>
+                                  </p:stCondLst>
+                                  <p:childTnLst>
+                                    <p:set>
+                                      <p:cBhvr>
+                                        <p:cTn id="30" dur="1" fill="hold">
+                                          <p:stCondLst>
+                                            <p:cond delay="0"/>
+                                          </p:stCondLst>
+                                        </p:cTn>
+                                        <p:tgtEl>
+                                          <p:spTgt spid="6">
+                                            <p:txEl>
+                                              <p:pRg st="3" end="3"/>
+                                            </p:txEl>
+                                          </p:spTgt>
+                                        </p:tgtEl>
+                                        <p:attrNameLst>
+                                          <p:attrName>style.visibility</p:attrName>
+                                        </p:attrNameLst>
+                                      </p:cBhvr>
+                                      <p:to>
+                                        <p:strVal val="visible"/>
+                                      </p:to>
+                                    </p:set>
+                                  </p:childTnLst>
+                                </p:cTn>
+                              </p:par>
+                            </p:childTnLst>
+                          </p:cTn>
+                        </p:par>
+                      </p:childTnLst>
+                    </p:cTn>
+                  </p:par>
+                  <p:par>
+                    <p:cTn id="31" fill="hold">
+                      <p:stCondLst>
+                        <p:cond delay="indefinite"/>
+                      </p:stCondLst>
+                      <p:childTnLst>
+                        <p:par>
+                          <p:cTn id="32" fill="hold">
+                            <p:stCondLst>
+                              <p:cond delay="0"/>
+                            </p:stCondLst>
+                            <p:childTnLst>
+                              <p:par>
+                                <p:cTn id="33" presetID="1" presetClass="entr" presetSubtype="0" fill="hold" nodeType="clickEffect">
+                                  <p:stCondLst>
+                                    <p:cond delay="0"/>
+                                  </p:stCondLst>
+                                  <p:childTnLst>
+                                    <p:set>
+                                      <p:cBhvr>
+                                        <p:cTn id="34" dur="1" fill="hold">
+                                          <p:stCondLst>
+                                            <p:cond delay="0"/>
+                                          </p:stCondLst>
+                                        </p:cTn>
+                                        <p:tgtEl>
+                                          <p:spTgt spid="1026"/>
+                                        </p:tgtEl>
+                                        <p:attrNameLst>
+                                          <p:attrName>style.visibility</p:attrName>
+                                        </p:attrNameLst>
+                                      </p:cBhvr>
+                                      <p:to>
+                                        <p:strVal val="visible"/>
+                                      </p:to>
+                                    </p:set>
+                                  </p:childTnLst>
+                                </p:cTn>
+                              </p:par>
+                            </p:childTnLst>
+                          </p:cTn>
+                        </p:par>
+                      </p:childTnLst>
+                    </p:cTn>
+                  </p:par>
+                </p:childTnLst>
+              </p:cTn>
+              <p:prevCondLst>
+                <p:cond evt="onPrev" delay="0">
+                  <p:tgtEl>
+                    <p:sldTgt/>
+                  </p:tgtEl>
+                </p:cond>
+              </p:prevCondLst>
+              <p:nextCondLst>
+                <p:cond evt="onNext" delay="0">
+                  <p:tgtEl>
+                    <p:sldTgt/>
+                  </p:tgtEl>
+                </p:cond>
+              </p:nextCondLst>
+            </p:seq>
+          </p:childTnLst>
+        </p:cTn>
+      </p:par>
+    </p:tnLst>
+  </p:timing>
+</p:sld>
+</file>
+
+<file path=ppt/slides/slide11.xml><?xml version="1.0" encoding="utf-8"?>
+<p:sld xmlns:a="http://schemas.openxmlformats.org/drawingml/2006/main" xmlns:r="http://schemas.openxmlformats.org/officeDocument/2006/relationships" xmlns:p="http://schemas.openxmlformats.org/presentationml/2006/main">
+  <p:cSld>
+    <p:bg>
+      <p:bgPr>
+        <a:solidFill>
+          <a:schemeClr val="bg1"/>
+        </a:solidFill>
+        <a:effectLst/>
+      </p:bgPr>
+    </p:bg>
+    <p:spTree>
+      <p:nvGrpSpPr>
+        <p:cNvPr id="1" name=""/>
+        <p:cNvGrpSpPr/>
+        <p:nvPr/>
+      </p:nvGrpSpPr>
+      <p:grpSpPr>
+        <a:xfrm>
+          <a:off x="0" y="0"/>
+          <a:ext cx="0" cy="0"/>
+          <a:chOff x="0" y="0"/>
+          <a:chExt cx="0" cy="0"/>
+        </a:xfrm>
+      </p:grpSpPr>
+      <p:sp>
+        <p:nvSpPr>
+          <p:cNvPr id="9" name="Title 1">
+            <a:extLst>
+              <a:ext uri="{FF2B5EF4-FFF2-40B4-BE49-F238E27FC236}">
+                <a16:creationId xmlns:a16="http://schemas.microsoft.com/office/drawing/2014/main" id="{28787629-D89B-45C1-ADB9-AB3E48E33C95}"/>
+              </a:ext>
+            </a:extLst>
+          </p:cNvPr>
+          <p:cNvSpPr>
+            <a:spLocks noGrp="1"/>
+          </p:cNvSpPr>
+          <p:nvPr>
+            <p:ph type="title"/>
+          </p:nvPr>
+        </p:nvSpPr>
+        <p:spPr>
+          <a:xfrm>
+            <a:off x="1981200" y="274638"/>
+            <a:ext cx="8229600" cy="1143000"/>
+          </a:xfrm>
+        </p:spPr>
+        <p:txBody>
+          <a:bodyPr/>
+          <a:lstStyle/>
+          <a:p>
+            <a:r>
+              <a:rPr lang="es-MX" dirty="0"/>
+              <a:t>Exercise!</a:t>
+            </a:r>
+            <a:endParaRPr lang="en-US" dirty="0"/>
+          </a:p>
+        </p:txBody>
+      </p:sp>
+      <p:sp>
+        <p:nvSpPr>
+          <p:cNvPr id="11" name="Content Placeholder 3">
+            <a:extLst>
+              <a:ext uri="{FF2B5EF4-FFF2-40B4-BE49-F238E27FC236}">
+                <a16:creationId xmlns:a16="http://schemas.microsoft.com/office/drawing/2014/main" id="{D9D4E228-35C8-4CC5-9245-679A572C9DDB}"/>
+              </a:ext>
+            </a:extLst>
+          </p:cNvPr>
+          <p:cNvSpPr>
+            <a:spLocks noGrp="1"/>
+          </p:cNvSpPr>
+          <p:nvPr>
+            <p:ph sz="half" idx="2"/>
+          </p:nvPr>
+        </p:nvSpPr>
+        <p:spPr>
+          <a:xfrm>
+            <a:off x="5793527" y="1600201"/>
+            <a:ext cx="5667884" cy="4525963"/>
+          </a:xfrm>
+        </p:spPr>
+        <p:txBody>
+          <a:bodyPr/>
+          <a:lstStyle/>
+          <a:p>
+            <a:r>
+              <a:rPr lang="es-MX" dirty="0"/>
+              <a:t>Build a program that can read 7 temperatures from the keyboard. Then it should calculate the average temperature and show which temperatures are above and below the average.</a:t>
+            </a:r>
+            <a:endParaRPr lang="en-US" dirty="0"/>
+          </a:p>
+        </p:txBody>
+      </p:sp>
+      <p:pic>
+        <p:nvPicPr>
+          <p:cNvPr id="2" name="Picture 1">
+            <a:extLst>
+              <a:ext uri="{FF2B5EF4-FFF2-40B4-BE49-F238E27FC236}">
+                <a16:creationId xmlns:a16="http://schemas.microsoft.com/office/drawing/2014/main" id="{E13ED1DB-C6C7-4669-812E-CC9C73F63683}"/>
+              </a:ext>
+            </a:extLst>
+          </p:cNvPr>
+          <p:cNvPicPr>
+            <a:picLocks noChangeAspect="1"/>
+          </p:cNvPicPr>
+          <p:nvPr/>
+        </p:nvPicPr>
+        <p:blipFill>
+          <a:blip r:embed="rId3"/>
+          <a:stretch>
+            <a:fillRect/>
+          </a:stretch>
+        </p:blipFill>
+        <p:spPr>
+          <a:xfrm>
+            <a:off x="274305" y="1214546"/>
+            <a:ext cx="5265421" cy="4428907"/>
+          </a:xfrm>
+          <a:prstGeom prst="rect">
+            <a:avLst/>
+          </a:prstGeom>
+        </p:spPr>
+      </p:pic>
+      <p:pic>
+        <p:nvPicPr>
+          <p:cNvPr id="3" name="Picture 2">
+            <a:extLst>
+              <a:ext uri="{FF2B5EF4-FFF2-40B4-BE49-F238E27FC236}">
+                <a16:creationId xmlns:a16="http://schemas.microsoft.com/office/drawing/2014/main" id="{8C517CC6-ADB2-4B42-BE1C-52AA30EFFBEF}"/>
+              </a:ext>
+            </a:extLst>
+          </p:cNvPr>
+          <p:cNvPicPr>
+            <a:picLocks noChangeAspect="1"/>
+          </p:cNvPicPr>
+          <p:nvPr/>
+        </p:nvPicPr>
+        <p:blipFill>
+          <a:blip r:embed="rId4"/>
+          <a:stretch>
+            <a:fillRect/>
+          </a:stretch>
+        </p:blipFill>
+        <p:spPr>
+          <a:xfrm>
+            <a:off x="5793527" y="4488903"/>
+            <a:ext cx="1268636" cy="1073461"/>
+          </a:xfrm>
+          <a:prstGeom prst="rect">
+            <a:avLst/>
+          </a:prstGeom>
+        </p:spPr>
+      </p:pic>
+      <p:pic>
+        <p:nvPicPr>
+          <p:cNvPr id="5" name="Picture 4">
+            <a:extLst>
+              <a:ext uri="{FF2B5EF4-FFF2-40B4-BE49-F238E27FC236}">
+                <a16:creationId xmlns:a16="http://schemas.microsoft.com/office/drawing/2014/main" id="{A6AE6A56-0B30-4F3B-8D0B-7E2CD720A106}"/>
+              </a:ext>
+            </a:extLst>
+          </p:cNvPr>
+          <p:cNvPicPr>
+            <a:picLocks noChangeAspect="1"/>
+          </p:cNvPicPr>
+          <p:nvPr/>
+        </p:nvPicPr>
+        <p:blipFill>
+          <a:blip r:embed="rId5"/>
+          <a:stretch>
+            <a:fillRect/>
+          </a:stretch>
+        </p:blipFill>
+        <p:spPr>
+          <a:xfrm>
+            <a:off x="7187058" y="4538284"/>
+            <a:ext cx="1268636" cy="1024080"/>
+          </a:xfrm>
+          <a:prstGeom prst="rect">
+            <a:avLst/>
+          </a:prstGeom>
+        </p:spPr>
+      </p:pic>
+      <p:pic>
+        <p:nvPicPr>
+          <p:cNvPr id="6" name="Picture 5">
+            <a:extLst>
+              <a:ext uri="{FF2B5EF4-FFF2-40B4-BE49-F238E27FC236}">
+                <a16:creationId xmlns:a16="http://schemas.microsoft.com/office/drawing/2014/main" id="{641F1E1A-1E3F-451D-9798-C3344BCB172D}"/>
+              </a:ext>
+            </a:extLst>
+          </p:cNvPr>
+          <p:cNvPicPr>
+            <a:picLocks noChangeAspect="1"/>
+          </p:cNvPicPr>
+          <p:nvPr/>
+        </p:nvPicPr>
+        <p:blipFill>
+          <a:blip r:embed="rId6"/>
+          <a:stretch>
+            <a:fillRect/>
+          </a:stretch>
+        </p:blipFill>
+        <p:spPr>
+          <a:xfrm>
+            <a:off x="8580589" y="4457195"/>
+            <a:ext cx="1268636" cy="1186258"/>
+          </a:xfrm>
+          <a:prstGeom prst="rect">
+            <a:avLst/>
+          </a:prstGeom>
+        </p:spPr>
+      </p:pic>
+    </p:spTree>
+    <p:extLst>
+      <p:ext uri="{BB962C8B-B14F-4D97-AF65-F5344CB8AC3E}">
+        <p14:creationId xmlns:p14="http://schemas.microsoft.com/office/powerpoint/2010/main" val="111624767"/>
+      </p:ext>
+    </p:extLst>
+  </p:cSld>
+  <p:clrMapOvr>
+    <a:masterClrMapping/>
+  </p:clrMapOvr>
+</p:sld>
+</file>
+
+<file path=ppt/slides/slide12.xml><?xml version="1.0" encoding="utf-8"?>
 <p:sld xmlns:a="http://schemas.openxmlformats.org/drawingml/2006/main" xmlns:r="http://schemas.openxmlformats.org/officeDocument/2006/relationships" xmlns:p="http://schemas.openxmlformats.org/presentationml/2006/main">
   <p:cSld>
     <p:spTree>
@@ -6285,7 +7480,7 @@
 </p:sld>
 </file>
 
-<file path=ppt/slides/slide11.xml><?xml version="1.0" encoding="utf-8"?>
+<file path=ppt/slides/slide13.xml><?xml version="1.0" encoding="utf-8"?>
 <p:sld xmlns:a="http://schemas.openxmlformats.org/drawingml/2006/main" xmlns:r="http://schemas.openxmlformats.org/officeDocument/2006/relationships" xmlns:p="http://schemas.openxmlformats.org/presentationml/2006/main">
   <p:cSld>
     <p:spTree>
@@ -6394,7 +7589,7 @@
 </p:sld>
 </file>
 
-<file path=ppt/slides/slide12.xml><?xml version="1.0" encoding="utf-8"?>
+<file path=ppt/slides/slide14.xml><?xml version="1.0" encoding="utf-8"?>
 <p:sld xmlns:a="http://schemas.openxmlformats.org/drawingml/2006/main" xmlns:r="http://schemas.openxmlformats.org/officeDocument/2006/relationships" xmlns:p="http://schemas.openxmlformats.org/presentationml/2006/main">
   <p:cSld>
     <p:spTree>
@@ -7279,7 +8474,7 @@
 </p:sld>
 </file>
 
-<file path=ppt/slides/slide13.xml><?xml version="1.0" encoding="utf-8"?>
+<file path=ppt/slides/slide15.xml><?xml version="1.0" encoding="utf-8"?>
 <p:sld xmlns:a="http://schemas.openxmlformats.org/drawingml/2006/main" xmlns:r="http://schemas.openxmlformats.org/officeDocument/2006/relationships" xmlns:p="http://schemas.openxmlformats.org/presentationml/2006/main">
   <p:cSld>
     <p:spTree>
@@ -8704,7 +9899,7 @@
 </p:sld>
 </file>
 
-<file path=ppt/slides/slide14.xml><?xml version="1.0" encoding="utf-8"?>
+<file path=ppt/slides/slide16.xml><?xml version="1.0" encoding="utf-8"?>
 <p:sld xmlns:a="http://schemas.openxmlformats.org/drawingml/2006/main" xmlns:r="http://schemas.openxmlformats.org/officeDocument/2006/relationships" xmlns:p="http://schemas.openxmlformats.org/presentationml/2006/main">
   <p:cSld>
     <p:spTree>
@@ -10398,7 +11593,7 @@
 </p:sld>
 </file>
 
-<file path=ppt/slides/slide15.xml><?xml version="1.0" encoding="utf-8"?>
+<file path=ppt/slides/slide17.xml><?xml version="1.0" encoding="utf-8"?>
 <p:sld xmlns:a="http://schemas.openxmlformats.org/drawingml/2006/main" xmlns:r="http://schemas.openxmlformats.org/officeDocument/2006/relationships" xmlns:p="http://schemas.openxmlformats.org/presentationml/2006/main">
   <p:cSld>
     <p:spTree>
@@ -10482,7 +11677,7 @@
 </p:sld>
 </file>
 
-<file path=ppt/slides/slide16.xml><?xml version="1.0" encoding="utf-8"?>
+<file path=ppt/slides/slide18.xml><?xml version="1.0" encoding="utf-8"?>
 <p:sld xmlns:a="http://schemas.openxmlformats.org/drawingml/2006/main" xmlns:r="http://schemas.openxmlformats.org/officeDocument/2006/relationships" xmlns:p="http://schemas.openxmlformats.org/presentationml/2006/main">
   <p:cSld>
     <p:spTree>
@@ -10560,7 +11755,7 @@
 </p:sld>
 </file>
 
-<file path=ppt/slides/slide17.xml><?xml version="1.0" encoding="utf-8"?>
+<file path=ppt/slides/slide19.xml><?xml version="1.0" encoding="utf-8"?>
 <p:sld xmlns:a="http://schemas.openxmlformats.org/drawingml/2006/main" xmlns:r="http://schemas.openxmlformats.org/officeDocument/2006/relationships" xmlns:p="http://schemas.openxmlformats.org/presentationml/2006/main">
   <p:cSld>
     <p:spTree>
@@ -10838,7 +12033,7 @@
           <a:p>
             <a:r>
               <a:rPr lang="es-MX" dirty="0"/>
-              <a:t>Arreglos</a:t>
+              <a:t>Arrays</a:t>
             </a:r>
             <a:endParaRPr lang="en-US" dirty="0"/>
           </a:p>
@@ -10872,8 +12067,100 @@
           <a:p>
             <a:pPr algn="just"/>
             <a:r>
+              <a:rPr lang="es-ES" sz="2800" dirty="0" err="1"/>
+              <a:t>Arrays</a:t>
+            </a:r>
+            <a:r>
               <a:rPr lang="es-ES" sz="2800" dirty="0"/>
-              <a:t>Un arreglo es una colección de variables del mismo tipo de datos.  Para declarar un arreglo, podemos hacerlo de la siguiente forma:</a:t>
+              <a:t> are a </a:t>
+            </a:r>
+            <a:r>
+              <a:rPr lang="es-ES" sz="2800" dirty="0" err="1"/>
+              <a:t>collection</a:t>
+            </a:r>
+            <a:r>
+              <a:rPr lang="es-ES" sz="2800" dirty="0"/>
+              <a:t> </a:t>
+            </a:r>
+            <a:r>
+              <a:rPr lang="es-ES" sz="2800" dirty="0" err="1"/>
+              <a:t>of</a:t>
+            </a:r>
+            <a:r>
+              <a:rPr lang="es-ES" sz="2800" dirty="0"/>
+              <a:t> variables </a:t>
+            </a:r>
+            <a:r>
+              <a:rPr lang="es-ES" sz="2800" dirty="0" err="1"/>
+              <a:t>of</a:t>
+            </a:r>
+            <a:r>
+              <a:rPr lang="es-ES" sz="2800" dirty="0"/>
+              <a:t> </a:t>
+            </a:r>
+            <a:r>
+              <a:rPr lang="es-ES" sz="2800" dirty="0" err="1"/>
+              <a:t>the</a:t>
+            </a:r>
+            <a:r>
+              <a:rPr lang="es-ES" sz="2800" dirty="0"/>
+              <a:t> </a:t>
+            </a:r>
+            <a:r>
+              <a:rPr lang="es-ES" sz="2800" dirty="0" err="1"/>
+              <a:t>same</a:t>
+            </a:r>
+            <a:r>
+              <a:rPr lang="es-ES" sz="2800" dirty="0"/>
+              <a:t> data </a:t>
+            </a:r>
+            <a:r>
+              <a:rPr lang="es-ES" sz="2800" dirty="0" err="1"/>
+              <a:t>type</a:t>
+            </a:r>
+            <a:r>
+              <a:rPr lang="es-ES" sz="2800" dirty="0"/>
+              <a:t>. </a:t>
+            </a:r>
+            <a:r>
+              <a:rPr lang="es-ES" sz="2800" dirty="0" err="1"/>
+              <a:t>To</a:t>
+            </a:r>
+            <a:r>
+              <a:rPr lang="es-ES" sz="2800" dirty="0"/>
+              <a:t> declare </a:t>
+            </a:r>
+            <a:r>
+              <a:rPr lang="es-ES" sz="2800" dirty="0" err="1"/>
+              <a:t>an</a:t>
+            </a:r>
+            <a:r>
+              <a:rPr lang="es-ES" sz="2800" dirty="0"/>
+              <a:t> array, </a:t>
+            </a:r>
+            <a:r>
+              <a:rPr lang="es-ES" sz="2800" dirty="0" err="1"/>
+              <a:t>we</a:t>
+            </a:r>
+            <a:r>
+              <a:rPr lang="es-ES" sz="2800" dirty="0"/>
+              <a:t> can use </a:t>
+            </a:r>
+            <a:r>
+              <a:rPr lang="es-ES" sz="2800" dirty="0" err="1"/>
+              <a:t>the</a:t>
+            </a:r>
+            <a:r>
+              <a:rPr lang="es-ES" sz="2800" dirty="0"/>
+              <a:t> </a:t>
+            </a:r>
+            <a:r>
+              <a:rPr lang="es-ES" sz="2800" dirty="0" err="1"/>
+              <a:t>following</a:t>
+            </a:r>
+            <a:r>
+              <a:rPr lang="es-ES" sz="2800" dirty="0"/>
+              <a:t>:</a:t>
             </a:r>
           </a:p>
           <a:p>
@@ -11818,55 +13105,9 @@
           <a:p>
             <a:r>
               <a:rPr lang="es-MX" dirty="0"/>
-              <a:t>Visualizando Arreglos</a:t>
+              <a:t>Visualizing Arrays</a:t>
             </a:r>
             <a:endParaRPr lang="en-US" dirty="0"/>
-          </a:p>
-        </p:txBody>
-      </p:sp>
-      <p:sp>
-        <p:nvSpPr>
-          <p:cNvPr id="3" name="Content Placeholder 2">
-            <a:extLst>
-              <a:ext uri="{FF2B5EF4-FFF2-40B4-BE49-F238E27FC236}">
-                <a16:creationId xmlns:a16="http://schemas.microsoft.com/office/drawing/2014/main" id="{4FCC337F-3F58-4E66-87A4-797E8881DEFD}"/>
-              </a:ext>
-            </a:extLst>
-          </p:cNvPr>
-          <p:cNvSpPr>
-            <a:spLocks noGrp="1"/>
-          </p:cNvSpPr>
-          <p:nvPr>
-            <p:ph idx="1"/>
-          </p:nvPr>
-        </p:nvSpPr>
-        <p:spPr>
-          <a:xfrm>
-            <a:off x="609600" y="1258173"/>
-            <a:ext cx="9601200" cy="716285"/>
-          </a:xfrm>
-        </p:spPr>
-        <p:txBody>
-          <a:bodyPr/>
-          <a:lstStyle/>
-          <a:p>
-            <a:pPr algn="just"/>
-            <a:r>
-              <a:rPr lang="es-ES" sz="2800" dirty="0"/>
-              <a:t>Podemos visualizar un arreglo de la siguiente manera:</a:t>
-            </a:r>
-          </a:p>
-          <a:p>
-            <a:pPr algn="just"/>
-            <a:endParaRPr lang="es-ES" sz="2800" dirty="0"/>
-          </a:p>
-          <a:p>
-            <a:pPr algn="just"/>
-            <a:endParaRPr lang="es-ES" sz="2800" dirty="0"/>
-          </a:p>
-          <a:p>
-            <a:pPr algn="just"/>
-            <a:endParaRPr lang="es-ES" sz="2800" dirty="0"/>
           </a:p>
         </p:txBody>
       </p:sp>
@@ -12246,7 +13487,7 @@
           <a:p>
             <a:r>
               <a:rPr lang="es-MX" dirty="0"/>
-              <a:t>Sintaxis</a:t>
+              <a:t>Syntax</a:t>
             </a:r>
             <a:endParaRPr lang="en-US" dirty="0"/>
           </a:p>
@@ -12280,10 +13521,8 @@
           <a:p>
             <a:r>
               <a:rPr lang="es-MX" sz="2800" dirty="0"/>
-              <a:t>Todos los arreglos deben estar asociado a un solo tipo de dato. No se puede combinar valores dentro de un mismo arreglo. La sintaxis para declarar e instanciar un arreglo es la siguiente:</a:t>
-            </a:r>
-          </a:p>
-          <a:p>
+              <a:t>All array positions have to be of the same type. We cannot mix Strings, integers or doubles on the same array.</a:t>
+            </a:r>
             <a:endParaRPr lang="en-US" dirty="0"/>
           </a:p>
         </p:txBody>
@@ -12732,7 +13971,7 @@
           <a:p>
             <a:r>
               <a:rPr lang="es-MX" kern="0" dirty="0"/>
-              <a:t>El tamaño del arreglo debe ser un número positivo mayor o igual a cero.</a:t>
+              <a:t>The array size needs to be a positive number greater than or equal to 0.</a:t>
             </a:r>
             <a:endParaRPr lang="en-US" kern="0" dirty="0"/>
           </a:p>
@@ -12919,7 +14158,7 @@
           <a:p>
             <a:r>
               <a:rPr lang="es-MX" dirty="0"/>
-              <a:t>Nomenclatura</a:t>
+              <a:t>Nomenclature</a:t>
             </a:r>
             <a:endParaRPr lang="en-US" dirty="0"/>
           </a:p>
@@ -13022,6 +14261,111 @@
           <p:cNvPr id="2" name="Title 1">
             <a:extLst>
               <a:ext uri="{FF2B5EF4-FFF2-40B4-BE49-F238E27FC236}">
+                <a16:creationId xmlns:a16="http://schemas.microsoft.com/office/drawing/2014/main" id="{4217CB35-44DC-D46D-CD0F-60666037B624}"/>
+              </a:ext>
+            </a:extLst>
+          </p:cNvPr>
+          <p:cNvSpPr>
+            <a:spLocks noGrp="1"/>
+          </p:cNvSpPr>
+          <p:nvPr>
+            <p:ph type="title"/>
+          </p:nvPr>
+        </p:nvSpPr>
+        <p:spPr/>
+        <p:txBody>
+          <a:bodyPr/>
+          <a:lstStyle/>
+          <a:p>
+            <a:r>
+              <a:rPr lang="en-US" dirty="0"/>
+              <a:t>Brackets</a:t>
+            </a:r>
+          </a:p>
+        </p:txBody>
+      </p:sp>
+      <p:pic>
+        <p:nvPicPr>
+          <p:cNvPr id="1026" name="Picture 2" descr="What Are Curly Brackets Called">
+            <a:extLst>
+              <a:ext uri="{FF2B5EF4-FFF2-40B4-BE49-F238E27FC236}">
+                <a16:creationId xmlns:a16="http://schemas.microsoft.com/office/drawing/2014/main" id="{1C3C0352-BE5D-B806-CEA9-16C4DFD8F999}"/>
+              </a:ext>
+            </a:extLst>
+          </p:cNvPr>
+          <p:cNvPicPr>
+            <a:picLocks noChangeAspect="1" noChangeArrowheads="1"/>
+          </p:cNvPicPr>
+          <p:nvPr/>
+        </p:nvPicPr>
+        <p:blipFill>
+          <a:blip r:embed="rId2">
+            <a:extLst>
+              <a:ext uri="{28A0092B-C50C-407E-A947-70E740481C1C}">
+                <a14:useLocalDpi xmlns:a14="http://schemas.microsoft.com/office/drawing/2010/main" val="0"/>
+              </a:ext>
+            </a:extLst>
+          </a:blip>
+          <a:srcRect/>
+          <a:stretch>
+            <a:fillRect/>
+          </a:stretch>
+        </p:blipFill>
+        <p:spPr bwMode="auto">
+          <a:xfrm>
+            <a:off x="1957516" y="1908261"/>
+            <a:ext cx="7239000" cy="4178300"/>
+          </a:xfrm>
+          <a:prstGeom prst="rect">
+            <a:avLst/>
+          </a:prstGeom>
+          <a:noFill/>
+          <a:extLst>
+            <a:ext uri="{909E8E84-426E-40DD-AFC4-6F175D3DCCD1}">
+              <a14:hiddenFill xmlns:a14="http://schemas.microsoft.com/office/drawing/2010/main">
+                <a:solidFill>
+                  <a:srgbClr val="FFFFFF"/>
+                </a:solidFill>
+              </a14:hiddenFill>
+            </a:ext>
+          </a:extLst>
+        </p:spPr>
+      </p:pic>
+    </p:spTree>
+    <p:extLst>
+      <p:ext uri="{BB962C8B-B14F-4D97-AF65-F5344CB8AC3E}">
+        <p14:creationId xmlns:p14="http://schemas.microsoft.com/office/powerpoint/2010/main" val="1881771335"/>
+      </p:ext>
+    </p:extLst>
+  </p:cSld>
+  <p:clrMapOvr>
+    <a:masterClrMapping/>
+  </p:clrMapOvr>
+</p:sld>
+</file>
+
+<file path=ppt/slides/slide7.xml><?xml version="1.0" encoding="utf-8"?>
+<p:sld xmlns:a="http://schemas.openxmlformats.org/drawingml/2006/main" xmlns:r="http://schemas.openxmlformats.org/officeDocument/2006/relationships" xmlns:p="http://schemas.openxmlformats.org/presentationml/2006/main">
+  <p:cSld>
+    <p:spTree>
+      <p:nvGrpSpPr>
+        <p:cNvPr id="1" name=""/>
+        <p:cNvGrpSpPr/>
+        <p:nvPr/>
+      </p:nvGrpSpPr>
+      <p:grpSpPr>
+        <a:xfrm>
+          <a:off x="0" y="0"/>
+          <a:ext cx="0" cy="0"/>
+          <a:chOff x="0" y="0"/>
+          <a:chExt cx="0" cy="0"/>
+        </a:xfrm>
+      </p:grpSpPr>
+      <p:sp>
+        <p:nvSpPr>
+          <p:cNvPr id="2" name="Title 1">
+            <a:extLst>
+              <a:ext uri="{FF2B5EF4-FFF2-40B4-BE49-F238E27FC236}">
                 <a16:creationId xmlns:a16="http://schemas.microsoft.com/office/drawing/2014/main" id="{605AAEB8-99D9-46E5-AFBD-97B01845D7C3}"/>
               </a:ext>
             </a:extLst>
@@ -13040,7 +14384,7 @@
           <a:p>
             <a:r>
               <a:rPr lang="es-MX" dirty="0"/>
-              <a:t>Acceder un elemento de un arreglo</a:t>
+              <a:t>Accessing array positions</a:t>
             </a:r>
             <a:endParaRPr lang="en-US" dirty="0"/>
           </a:p>
@@ -13074,25 +14418,22 @@
           <a:p>
             <a:r>
               <a:rPr lang="es-MX" sz="2800" dirty="0"/>
-              <a:t>Para acceder un elemento de un arreglo, utilizamos los corchetes.  La primera posición de un arreglo siempre será el índice 0. La última posición de un arreglo será </a:t>
-            </a:r>
-            <a:r>
-              <a:rPr lang="es-MX" sz="2800" dirty="0" err="1">
+              <a:t>To access the element of an array, we use square brackets []. </a:t>
+            </a:r>
+          </a:p>
+          <a:p>
+            <a:r>
+              <a:rPr lang="es-MX" sz="2800" dirty="0"/>
+              <a:t>The first position of an array will always be index 0, and the last one will be </a:t>
+            </a:r>
+            <a:r>
+              <a:rPr lang="es-MX" sz="2800" dirty="0">
                 <a:solidFill>
                   <a:srgbClr val="F96161"/>
                 </a:solidFill>
                 <a:latin typeface="Cascadia Code" panose="00000509000000000000" pitchFamily="49" charset="0"/>
               </a:rPr>
-              <a:t>array_name.length</a:t>
-            </a:r>
-            <a:r>
-              <a:rPr lang="es-MX" sz="2800" dirty="0">
-                <a:solidFill>
-                  <a:srgbClr val="F96161"/>
-                </a:solidFill>
-                <a:latin typeface="Cascadia Code" panose="00000509000000000000" pitchFamily="49" charset="0"/>
-              </a:rPr>
-              <a:t> – 1</a:t>
+              <a:t>array_name.length – 1</a:t>
             </a:r>
             <a:r>
               <a:rPr lang="es-MX" sz="2800" dirty="0"/>
@@ -14080,7 +15421,7 @@
 </p:sld>
 </file>
 
-<file path=ppt/slides/slide7.xml><?xml version="1.0" encoding="utf-8"?>
+<file path=ppt/slides/slide8.xml><?xml version="1.0" encoding="utf-8"?>
 <p:sld xmlns:a="http://schemas.openxmlformats.org/drawingml/2006/main" xmlns:r="http://schemas.openxmlformats.org/officeDocument/2006/relationships" xmlns:p="http://schemas.openxmlformats.org/presentationml/2006/main">
   <p:cSld>
     <p:spTree>
@@ -14125,7 +15466,7 @@
           <a:p>
             <a:r>
               <a:rPr lang="es-MX" dirty="0"/>
-              <a:t>Acceder un elemento de un arreglo</a:t>
+              <a:t>Accesing array positions</a:t>
             </a:r>
             <a:endParaRPr lang="en-US" dirty="0"/>
           </a:p>
@@ -14159,7 +15500,7 @@
           <a:p>
             <a:r>
               <a:rPr lang="es-MX" sz="2400" dirty="0"/>
-              <a:t>Podemos inicializar un arreglo de cualquiera de las siguientes dos formas:</a:t>
+              <a:t>We can initialize an array in two ways:</a:t>
             </a:r>
           </a:p>
           <a:p>
@@ -14168,7 +15509,7 @@
             </a:pPr>
             <a:r>
               <a:rPr lang="es-MX" sz="2400" dirty="0"/>
-              <a:t>Instanciando el arreglo con el operador </a:t>
+              <a:t>Instantiating the array with the </a:t>
             </a:r>
             <a:r>
               <a:rPr lang="en-US" sz="2400" dirty="0">
@@ -14181,39 +15522,7 @@
             </a:r>
             <a:r>
               <a:rPr lang="en-US" sz="2400" dirty="0"/>
-              <a:t>, y </a:t>
-            </a:r>
-            <a:r>
-              <a:rPr lang="en-US" sz="2400" dirty="0" err="1"/>
-              <a:t>escribiendo</a:t>
-            </a:r>
-            <a:r>
-              <a:rPr lang="en-US" sz="2400" dirty="0"/>
-              <a:t> </a:t>
-            </a:r>
-            <a:r>
-              <a:rPr lang="en-US" sz="2400" dirty="0" err="1"/>
-              <a:t>cada</a:t>
-            </a:r>
-            <a:r>
-              <a:rPr lang="en-US" sz="2400" dirty="0"/>
-              <a:t> </a:t>
-            </a:r>
-            <a:r>
-              <a:rPr lang="en-US" sz="2400" dirty="0" err="1"/>
-              <a:t>elemento</a:t>
-            </a:r>
-            <a:r>
-              <a:rPr lang="en-US" sz="2400" dirty="0"/>
-              <a:t> del </a:t>
-            </a:r>
-            <a:r>
-              <a:rPr lang="en-US" sz="2400" dirty="0" err="1"/>
-              <a:t>arreglo</a:t>
-            </a:r>
-            <a:r>
-              <a:rPr lang="en-US" sz="2400" dirty="0"/>
-              <a:t>.</a:t>
+              <a:t> operator, then filling each position.</a:t>
             </a:r>
           </a:p>
           <a:p>
@@ -14221,44 +15530,40 @@
               <a:buAutoNum type="arabicPeriod"/>
             </a:pPr>
             <a:r>
-              <a:rPr lang="en-US" sz="2400" dirty="0" err="1"/>
-              <a:t>Instanciando</a:t>
-            </a:r>
-            <a:r>
-              <a:rPr lang="en-US" sz="2400" dirty="0"/>
+              <a:rPr lang="es-ES" sz="2400" dirty="0" err="1"/>
+              <a:t>Implicit</a:t>
+            </a:r>
+            <a:r>
+              <a:rPr lang="es-ES" sz="2400" dirty="0"/>
               <a:t> </a:t>
             </a:r>
             <a:r>
-              <a:rPr lang="en-US" sz="2400" dirty="0" err="1"/>
-              <a:t>explícitamente</a:t>
-            </a:r>
-            <a:r>
-              <a:rPr lang="en-US" sz="2400" dirty="0"/>
+              <a:rPr lang="es-ES" sz="2400" dirty="0" err="1"/>
+              <a:t>instantiation</a:t>
+            </a:r>
+            <a:r>
+              <a:rPr lang="es-ES" sz="2400" dirty="0"/>
               <a:t> </a:t>
             </a:r>
             <a:r>
-              <a:rPr lang="en-US" sz="2400" dirty="0" err="1"/>
-              <a:t>cada</a:t>
-            </a:r>
-            <a:r>
-              <a:rPr lang="en-US" sz="2400" dirty="0"/>
+              <a:rPr lang="es-ES" sz="2400" dirty="0" err="1"/>
+              <a:t>with</a:t>
+            </a:r>
+            <a:r>
+              <a:rPr lang="es-ES" sz="2400" dirty="0"/>
               <a:t> </a:t>
             </a:r>
             <a:r>
-              <a:rPr lang="en-US" sz="2400" dirty="0" err="1"/>
-              <a:t>posición</a:t>
-            </a:r>
-            <a:r>
-              <a:rPr lang="en-US" sz="2400" dirty="0"/>
-              <a:t> del </a:t>
-            </a:r>
-            <a:r>
-              <a:rPr lang="en-US" sz="2400" dirty="0" err="1"/>
-              <a:t>arreglo</a:t>
-            </a:r>
-            <a:r>
-              <a:rPr lang="en-US" sz="2400" dirty="0"/>
-              <a:t>.</a:t>
+              <a:rPr lang="es-ES" sz="2400" dirty="0" err="1"/>
+              <a:t>all</a:t>
+            </a:r>
+            <a:r>
+              <a:rPr lang="es-ES" sz="2400" dirty="0"/>
+              <a:t> array </a:t>
+            </a:r>
+            <a:r>
+              <a:rPr lang="es-ES" sz="2400" dirty="0" err="1"/>
+              <a:t>values</a:t>
             </a:r>
             <a:endParaRPr lang="es-MX" sz="2400" dirty="0"/>
           </a:p>
@@ -15373,7 +16678,7 @@
 </p:sld>
 </file>
 
-<file path=ppt/slides/slide8.xml><?xml version="1.0" encoding="utf-8"?>
+<file path=ppt/slides/slide9.xml><?xml version="1.0" encoding="utf-8"?>
 <p:sld xmlns:a="http://schemas.openxmlformats.org/drawingml/2006/main" xmlns:r="http://schemas.openxmlformats.org/officeDocument/2006/relationships" xmlns:p="http://schemas.openxmlformats.org/presentationml/2006/main">
   <p:cSld>
     <p:spTree>
@@ -15413,7 +16718,7 @@
           <a:p>
             <a:r>
               <a:rPr lang="es-MX" dirty="0"/>
-              <a:t>Tamaño del arreglo</a:t>
+              <a:t>Array size</a:t>
             </a:r>
             <a:endParaRPr lang="en-US" dirty="0"/>
           </a:p>
@@ -15447,38 +16752,34 @@
           <a:p>
             <a:r>
               <a:rPr lang="es-MX" sz="2400" dirty="0"/>
-              <a:t>Para conocer el tamaño de un arreglo, podemos utilizar el atributo </a:t>
-            </a:r>
-            <a:r>
-              <a:rPr lang="es-MX" sz="2400" dirty="0" err="1">
+              <a:t>To find the size of the array, we can use the </a:t>
+            </a:r>
+            <a:r>
+              <a:rPr lang="es-MX" sz="2400" dirty="0">
                 <a:solidFill>
                   <a:srgbClr val="F96161"/>
                 </a:solidFill>
                 <a:latin typeface="Cascadia Code" panose="00000509000000000000" pitchFamily="49" charset="0"/>
               </a:rPr>
-              <a:t>length</a:t>
+              <a:t>length </a:t>
             </a:r>
             <a:r>
               <a:rPr lang="es-MX" sz="2400" dirty="0"/>
-              <a:t>.</a:t>
+              <a:t>attribute.</a:t>
             </a:r>
           </a:p>
           <a:p>
             <a:r>
               <a:rPr lang="es-MX" sz="2400" dirty="0"/>
-              <a:t>El tamaño de un arreglo es final, lo que significa que </a:t>
-            </a:r>
-            <a:r>
-              <a:rPr lang="es-MX" sz="2400" dirty="0">
-                <a:solidFill>
-                  <a:srgbClr val="F96161"/>
-                </a:solidFill>
-              </a:rPr>
-              <a:t>no es modificable después de su instanciación</a:t>
+              <a:t>The length of the array is a </a:t>
+            </a:r>
+            <a:r>
+              <a:rPr lang="es-MX" sz="2400" b="1" dirty="0"/>
+              <a:t>final </a:t>
             </a:r>
             <a:r>
               <a:rPr lang="es-MX" sz="2400" dirty="0"/>
-              <a:t>. </a:t>
+              <a:t>attribute, it can never be changed changed.</a:t>
             </a:r>
           </a:p>
         </p:txBody>
@@ -15965,7 +17266,7 @@
           <a:p>
             <a:r>
               <a:rPr lang="es-MX" sz="2800" kern="0" dirty="0"/>
-              <a:t>El último elemento de un arreglo está en el índice </a:t>
+              <a:t>The last element of an array will always be </a:t>
             </a:r>
             <a:r>
               <a:rPr lang="en-US" sz="2800" dirty="0">
@@ -16339,232 +17640,6 @@
       <p:bldP spid="5" grpId="0"/>
     </p:bldLst>
   </p:timing>
-</p:sld>
-</file>
-
-<file path=ppt/slides/slide9.xml><?xml version="1.0" encoding="utf-8"?>
-<p:sld xmlns:a="http://schemas.openxmlformats.org/drawingml/2006/main" xmlns:r="http://schemas.openxmlformats.org/officeDocument/2006/relationships" xmlns:p="http://schemas.openxmlformats.org/presentationml/2006/main">
-  <p:cSld>
-    <p:bg>
-      <p:bgPr>
-        <a:solidFill>
-          <a:schemeClr val="bg1"/>
-        </a:solidFill>
-        <a:effectLst/>
-      </p:bgPr>
-    </p:bg>
-    <p:spTree>
-      <p:nvGrpSpPr>
-        <p:cNvPr id="1" name=""/>
-        <p:cNvGrpSpPr/>
-        <p:nvPr/>
-      </p:nvGrpSpPr>
-      <p:grpSpPr>
-        <a:xfrm>
-          <a:off x="0" y="0"/>
-          <a:ext cx="0" cy="0"/>
-          <a:chOff x="0" y="0"/>
-          <a:chExt cx="0" cy="0"/>
-        </a:xfrm>
-      </p:grpSpPr>
-      <p:sp>
-        <p:nvSpPr>
-          <p:cNvPr id="9" name="Title 1">
-            <a:extLst>
-              <a:ext uri="{FF2B5EF4-FFF2-40B4-BE49-F238E27FC236}">
-                <a16:creationId xmlns:a16="http://schemas.microsoft.com/office/drawing/2014/main" id="{28787629-D89B-45C1-ADB9-AB3E48E33C95}"/>
-              </a:ext>
-            </a:extLst>
-          </p:cNvPr>
-          <p:cNvSpPr>
-            <a:spLocks noGrp="1"/>
-          </p:cNvSpPr>
-          <p:nvPr>
-            <p:ph type="title"/>
-          </p:nvPr>
-        </p:nvSpPr>
-        <p:spPr>
-          <a:xfrm>
-            <a:off x="1981200" y="274638"/>
-            <a:ext cx="8229600" cy="1143000"/>
-          </a:xfrm>
-        </p:spPr>
-        <p:txBody>
-          <a:bodyPr/>
-          <a:lstStyle/>
-          <a:p>
-            <a:r>
-              <a:rPr lang="es-MX" dirty="0"/>
-              <a:t>Ejercicio!</a:t>
-            </a:r>
-            <a:endParaRPr lang="en-US" dirty="0"/>
-          </a:p>
-        </p:txBody>
-      </p:sp>
-      <p:sp>
-        <p:nvSpPr>
-          <p:cNvPr id="11" name="Content Placeholder 3">
-            <a:extLst>
-              <a:ext uri="{FF2B5EF4-FFF2-40B4-BE49-F238E27FC236}">
-                <a16:creationId xmlns:a16="http://schemas.microsoft.com/office/drawing/2014/main" id="{D9D4E228-35C8-4CC5-9245-679A572C9DDB}"/>
-              </a:ext>
-            </a:extLst>
-          </p:cNvPr>
-          <p:cNvSpPr>
-            <a:spLocks noGrp="1"/>
-          </p:cNvSpPr>
-          <p:nvPr>
-            <p:ph sz="half" idx="2"/>
-          </p:nvPr>
-        </p:nvSpPr>
-        <p:spPr>
-          <a:xfrm>
-            <a:off x="5793527" y="1600201"/>
-            <a:ext cx="5667884" cy="4525963"/>
-          </a:xfrm>
-        </p:spPr>
-        <p:txBody>
-          <a:bodyPr/>
-          <a:lstStyle/>
-          <a:p>
-            <a:r>
-              <a:rPr lang="es-MX" dirty="0"/>
-              <a:t>Crea un programa que lea 7 temperaturas del teclado, e indique cuáles estén por encima y por debajo del promedio.</a:t>
-            </a:r>
-            <a:endParaRPr lang="en-US" dirty="0"/>
-          </a:p>
-        </p:txBody>
-      </p:sp>
-      <p:pic>
-        <p:nvPicPr>
-          <p:cNvPr id="2" name="Picture 1">
-            <a:extLst>
-              <a:ext uri="{FF2B5EF4-FFF2-40B4-BE49-F238E27FC236}">
-                <a16:creationId xmlns:a16="http://schemas.microsoft.com/office/drawing/2014/main" id="{E13ED1DB-C6C7-4669-812E-CC9C73F63683}"/>
-              </a:ext>
-            </a:extLst>
-          </p:cNvPr>
-          <p:cNvPicPr>
-            <a:picLocks noChangeAspect="1"/>
-          </p:cNvPicPr>
-          <p:nvPr/>
-        </p:nvPicPr>
-        <p:blipFill>
-          <a:blip r:embed="rId3"/>
-          <a:stretch>
-            <a:fillRect/>
-          </a:stretch>
-        </p:blipFill>
-        <p:spPr>
-          <a:xfrm>
-            <a:off x="274305" y="1214546"/>
-            <a:ext cx="5265421" cy="4428907"/>
-          </a:xfrm>
-          <a:prstGeom prst="rect">
-            <a:avLst/>
-          </a:prstGeom>
-        </p:spPr>
-      </p:pic>
-      <p:pic>
-        <p:nvPicPr>
-          <p:cNvPr id="3" name="Picture 2">
-            <a:extLst>
-              <a:ext uri="{FF2B5EF4-FFF2-40B4-BE49-F238E27FC236}">
-                <a16:creationId xmlns:a16="http://schemas.microsoft.com/office/drawing/2014/main" id="{8C517CC6-ADB2-4B42-BE1C-52AA30EFFBEF}"/>
-              </a:ext>
-            </a:extLst>
-          </p:cNvPr>
-          <p:cNvPicPr>
-            <a:picLocks noChangeAspect="1"/>
-          </p:cNvPicPr>
-          <p:nvPr/>
-        </p:nvPicPr>
-        <p:blipFill>
-          <a:blip r:embed="rId4"/>
-          <a:stretch>
-            <a:fillRect/>
-          </a:stretch>
-        </p:blipFill>
-        <p:spPr>
-          <a:xfrm>
-            <a:off x="5668632" y="3980169"/>
-            <a:ext cx="1268636" cy="1073461"/>
-          </a:xfrm>
-          <a:prstGeom prst="rect">
-            <a:avLst/>
-          </a:prstGeom>
-        </p:spPr>
-      </p:pic>
-      <p:pic>
-        <p:nvPicPr>
-          <p:cNvPr id="5" name="Picture 4">
-            <a:extLst>
-              <a:ext uri="{FF2B5EF4-FFF2-40B4-BE49-F238E27FC236}">
-                <a16:creationId xmlns:a16="http://schemas.microsoft.com/office/drawing/2014/main" id="{A6AE6A56-0B30-4F3B-8D0B-7E2CD720A106}"/>
-              </a:ext>
-            </a:extLst>
-          </p:cNvPr>
-          <p:cNvPicPr>
-            <a:picLocks noChangeAspect="1"/>
-          </p:cNvPicPr>
-          <p:nvPr/>
-        </p:nvPicPr>
-        <p:blipFill>
-          <a:blip r:embed="rId5"/>
-          <a:stretch>
-            <a:fillRect/>
-          </a:stretch>
-        </p:blipFill>
-        <p:spPr>
-          <a:xfrm>
-            <a:off x="7062163" y="4029550"/>
-            <a:ext cx="1268636" cy="1024080"/>
-          </a:xfrm>
-          <a:prstGeom prst="rect">
-            <a:avLst/>
-          </a:prstGeom>
-        </p:spPr>
-      </p:pic>
-      <p:pic>
-        <p:nvPicPr>
-          <p:cNvPr id="6" name="Picture 5">
-            <a:extLst>
-              <a:ext uri="{FF2B5EF4-FFF2-40B4-BE49-F238E27FC236}">
-                <a16:creationId xmlns:a16="http://schemas.microsoft.com/office/drawing/2014/main" id="{641F1E1A-1E3F-451D-9798-C3344BCB172D}"/>
-              </a:ext>
-            </a:extLst>
-          </p:cNvPr>
-          <p:cNvPicPr>
-            <a:picLocks noChangeAspect="1"/>
-          </p:cNvPicPr>
-          <p:nvPr/>
-        </p:nvPicPr>
-        <p:blipFill>
-          <a:blip r:embed="rId6"/>
-          <a:stretch>
-            <a:fillRect/>
-          </a:stretch>
-        </p:blipFill>
-        <p:spPr>
-          <a:xfrm>
-            <a:off x="8455694" y="3948461"/>
-            <a:ext cx="1268636" cy="1186258"/>
-          </a:xfrm>
-          <a:prstGeom prst="rect">
-            <a:avLst/>
-          </a:prstGeom>
-        </p:spPr>
-      </p:pic>
-    </p:spTree>
-    <p:extLst>
-      <p:ext uri="{BB962C8B-B14F-4D97-AF65-F5344CB8AC3E}">
-        <p14:creationId xmlns:p14="http://schemas.microsoft.com/office/powerpoint/2010/main" val="111624767"/>
-      </p:ext>
-    </p:extLst>
-  </p:cSld>
-  <p:clrMapOvr>
-    <a:masterClrMapping/>
-  </p:clrMapOvr>
 </p:sld>
 </file>
 
